--- a/The pokeproject.pptx
+++ b/The pokeproject.pptx
@@ -5,7 +5,7 @@
     <p:sldMasterId id="2147483678" r:id="rId1"/>
   </p:sldMasterIdLst>
   <p:notesMasterIdLst>
-    <p:notesMasterId r:id="rId11"/>
+    <p:notesMasterId r:id="rId12"/>
   </p:notesMasterIdLst>
   <p:sldIdLst>
     <p:sldId id="256" r:id="rId2"/>
@@ -14,9 +14,10 @@
     <p:sldId id="257" r:id="rId5"/>
     <p:sldId id="259" r:id="rId6"/>
     <p:sldId id="260" r:id="rId7"/>
-    <p:sldId id="261" r:id="rId8"/>
-    <p:sldId id="262" r:id="rId9"/>
-    <p:sldId id="263" r:id="rId10"/>
+    <p:sldId id="265" r:id="rId8"/>
+    <p:sldId id="261" r:id="rId9"/>
+    <p:sldId id="262" r:id="rId10"/>
+    <p:sldId id="263" r:id="rId11"/>
   </p:sldIdLst>
   <p:sldSz cx="12192000" cy="6858000"/>
   <p:notesSz cx="6858000" cy="9144000"/>
@@ -123,6 +124,10 @@
 </p:presentation>
 </file>
 
+<file path=ppt/revisionInfo.xml><?xml version="1.0" encoding="utf-8"?>
+<p1510:revInfo xmlns:a="http://schemas.openxmlformats.org/drawingml/2006/main" xmlns:r="http://schemas.openxmlformats.org/officeDocument/2006/relationships" xmlns:p1510="http://schemas.microsoft.com/office/powerpoint/2015/10/main"/>
+</file>
+
 <file path=ppt/notesMasters/notesMaster1.xml><?xml version="1.0" encoding="utf-8"?>
 <p:notesMaster xmlns:a="http://schemas.openxmlformats.org/drawingml/2006/main" xmlns:r="http://schemas.openxmlformats.org/officeDocument/2006/relationships" xmlns:p="http://schemas.openxmlformats.org/presentationml/2006/main">
   <p:cSld>
@@ -269,38 +274,37 @@
           <a:p>
             <a:pPr lvl="0"/>
             <a:r>
-              <a:rPr lang="en-US" smtClean="0"/>
+              <a:rPr lang="en-US"/>
               <a:t>Click to edit Master text styles</a:t>
             </a:r>
           </a:p>
           <a:p>
             <a:pPr lvl="1"/>
             <a:r>
-              <a:rPr lang="en-US" smtClean="0"/>
+              <a:rPr lang="en-US"/>
               <a:t>Second level</a:t>
             </a:r>
           </a:p>
           <a:p>
             <a:pPr lvl="2"/>
             <a:r>
-              <a:rPr lang="en-US" smtClean="0"/>
+              <a:rPr lang="en-US"/>
               <a:t>Third level</a:t>
             </a:r>
           </a:p>
           <a:p>
             <a:pPr lvl="3"/>
             <a:r>
-              <a:rPr lang="en-US" smtClean="0"/>
+              <a:rPr lang="en-US"/>
               <a:t>Fourth level</a:t>
             </a:r>
           </a:p>
           <a:p>
             <a:pPr lvl="4"/>
             <a:r>
-              <a:rPr lang="en-US" smtClean="0"/>
+              <a:rPr lang="en-US"/>
               <a:t>Fifth level</a:t>
             </a:r>
-            <a:endParaRPr lang="en-US"/>
           </a:p>
         </p:txBody>
       </p:sp>
@@ -518,19 +522,19 @@
           <a:lstStyle/>
           <a:p>
             <a:r>
-              <a:rPr lang="en-US" dirty="0" smtClean="0"/>
+              <a:rPr lang="en-US" dirty="0"/>
               <a:t>Have you ever thought</a:t>
             </a:r>
             <a:r>
-              <a:rPr lang="en-US" baseline="0" dirty="0" smtClean="0"/>
+              <a:rPr lang="en-US" baseline="0" dirty="0"/>
               <a:t> of a </a:t>
             </a:r>
             <a:r>
-              <a:rPr lang="en-US" baseline="0" dirty="0" err="1" smtClean="0"/>
+              <a:rPr lang="en-US" baseline="0" dirty="0" err="1"/>
               <a:t>pokemon</a:t>
             </a:r>
             <a:r>
-              <a:rPr lang="en-US" baseline="0" dirty="0" smtClean="0"/>
+              <a:rPr lang="en-US" baseline="0" dirty="0"/>
               <a:t> but couldn’t remember its name? Introducing…….</a:t>
             </a:r>
             <a:endParaRPr lang="en-US" dirty="0"/>
@@ -618,11 +622,11 @@
           <a:lstStyle/>
           <a:p>
             <a:r>
-              <a:rPr lang="en-US" dirty="0" smtClean="0"/>
+              <a:rPr lang="en-US" dirty="0"/>
               <a:t>Socially conscious</a:t>
             </a:r>
             <a:r>
-              <a:rPr lang="en-US" baseline="0" dirty="0" smtClean="0"/>
+              <a:rPr lang="en-US" baseline="0" dirty="0"/>
               <a:t> app that reduces stress and gives peace of mind</a:t>
             </a:r>
             <a:endParaRPr lang="en-US" dirty="0"/>
@@ -710,19 +714,19 @@
           <a:lstStyle/>
           <a:p>
             <a:r>
-              <a:rPr lang="en-US" dirty="0" smtClean="0"/>
+              <a:rPr lang="en-US" dirty="0"/>
               <a:t>(stuff that worked and didn’t) /// (why changes were made)</a:t>
             </a:r>
           </a:p>
           <a:p>
             <a:r>
-              <a:rPr lang="en-US" dirty="0" smtClean="0"/>
+              <a:rPr lang="en-US" dirty="0"/>
               <a:t>((buttons vs search fields))</a:t>
             </a:r>
           </a:p>
           <a:p>
             <a:r>
-              <a:rPr lang="en-US" dirty="0" smtClean="0"/>
+              <a:rPr lang="en-US" dirty="0"/>
               <a:t>(backend validation)</a:t>
             </a:r>
           </a:p>
@@ -850,7 +854,7 @@
           </a:lstStyle>
           <a:p>
             <a:r>
-              <a:rPr lang="en-US" smtClean="0"/>
+              <a:rPr lang="en-US"/>
               <a:t>Click to edit Master title style</a:t>
             </a:r>
             <a:endParaRPr lang="en-US" dirty="0"/>
@@ -969,7 +973,7 @@
           </a:lstStyle>
           <a:p>
             <a:r>
-              <a:rPr lang="en-US" smtClean="0"/>
+              <a:rPr lang="en-US"/>
               <a:t>Click to edit Master subtitle style</a:t>
             </a:r>
             <a:endParaRPr lang="en-US" dirty="0"/>
@@ -1179,7 +1183,7 @@
           <a:lstStyle/>
           <a:p>
             <a:r>
-              <a:rPr lang="en-US" smtClean="0"/>
+              <a:rPr lang="en-US"/>
               <a:t>Click to edit Master title style</a:t>
             </a:r>
             <a:endParaRPr lang="en-US" dirty="0"/>
@@ -1219,35 +1223,35 @@
           <a:p>
             <a:pPr lvl="0"/>
             <a:r>
-              <a:rPr lang="en-US" smtClean="0"/>
+              <a:rPr lang="en-US"/>
               <a:t>Click to edit Master text styles</a:t>
             </a:r>
           </a:p>
           <a:p>
             <a:pPr lvl="1"/>
             <a:r>
-              <a:rPr lang="en-US" smtClean="0"/>
+              <a:rPr lang="en-US"/>
               <a:t>Second level</a:t>
             </a:r>
           </a:p>
           <a:p>
             <a:pPr lvl="2"/>
             <a:r>
-              <a:rPr lang="en-US" smtClean="0"/>
+              <a:rPr lang="en-US"/>
               <a:t>Third level</a:t>
             </a:r>
           </a:p>
           <a:p>
             <a:pPr lvl="3"/>
             <a:r>
-              <a:rPr lang="en-US" smtClean="0"/>
+              <a:rPr lang="en-US"/>
               <a:t>Fourth level</a:t>
             </a:r>
           </a:p>
           <a:p>
             <a:pPr lvl="4"/>
             <a:r>
-              <a:rPr lang="en-US" smtClean="0"/>
+              <a:rPr lang="en-US"/>
               <a:t>Fifth level</a:t>
             </a:r>
             <a:endParaRPr lang="en-US" dirty="0"/>
@@ -1409,7 +1413,7 @@
           <a:lstStyle/>
           <a:p>
             <a:r>
-              <a:rPr lang="en-US" smtClean="0"/>
+              <a:rPr lang="en-US"/>
               <a:t>Click to edit Master title style</a:t>
             </a:r>
             <a:endParaRPr lang="en-US" dirty="0"/>
@@ -1438,35 +1442,35 @@
           <a:p>
             <a:pPr lvl="0"/>
             <a:r>
-              <a:rPr lang="en-US" smtClean="0"/>
+              <a:rPr lang="en-US"/>
               <a:t>Click to edit Master text styles</a:t>
             </a:r>
           </a:p>
           <a:p>
             <a:pPr lvl="1"/>
             <a:r>
-              <a:rPr lang="en-US" smtClean="0"/>
+              <a:rPr lang="en-US"/>
               <a:t>Second level</a:t>
             </a:r>
           </a:p>
           <a:p>
             <a:pPr lvl="2"/>
             <a:r>
-              <a:rPr lang="en-US" smtClean="0"/>
+              <a:rPr lang="en-US"/>
               <a:t>Third level</a:t>
             </a:r>
           </a:p>
           <a:p>
             <a:pPr lvl="3"/>
             <a:r>
-              <a:rPr lang="en-US" smtClean="0"/>
+              <a:rPr lang="en-US"/>
               <a:t>Fourth level</a:t>
             </a:r>
           </a:p>
           <a:p>
             <a:pPr lvl="4"/>
             <a:r>
-              <a:rPr lang="en-US" smtClean="0"/>
+              <a:rPr lang="en-US"/>
               <a:t>Fifth level</a:t>
             </a:r>
             <a:endParaRPr lang="en-US" dirty="0"/>
@@ -1665,7 +1669,7 @@
           <a:lstStyle/>
           <a:p>
             <a:r>
-              <a:rPr lang="en-US" smtClean="0"/>
+              <a:rPr lang="en-US"/>
               <a:t>Click to edit Master title style</a:t>
             </a:r>
             <a:endParaRPr lang="en-US" dirty="0"/>
@@ -1694,35 +1698,35 @@
           <a:p>
             <a:pPr lvl="0"/>
             <a:r>
-              <a:rPr lang="en-US" smtClean="0"/>
+              <a:rPr lang="en-US"/>
               <a:t>Click to edit Master text styles</a:t>
             </a:r>
           </a:p>
           <a:p>
             <a:pPr lvl="1"/>
             <a:r>
-              <a:rPr lang="en-US" smtClean="0"/>
+              <a:rPr lang="en-US"/>
               <a:t>Second level</a:t>
             </a:r>
           </a:p>
           <a:p>
             <a:pPr lvl="2"/>
             <a:r>
-              <a:rPr lang="en-US" smtClean="0"/>
+              <a:rPr lang="en-US"/>
               <a:t>Third level</a:t>
             </a:r>
           </a:p>
           <a:p>
             <a:pPr lvl="3"/>
             <a:r>
-              <a:rPr lang="en-US" smtClean="0"/>
+              <a:rPr lang="en-US"/>
               <a:t>Fourth level</a:t>
             </a:r>
           </a:p>
           <a:p>
             <a:pPr lvl="4"/>
             <a:r>
-              <a:rPr lang="en-US" smtClean="0"/>
+              <a:rPr lang="en-US"/>
               <a:t>Fifth level</a:t>
             </a:r>
             <a:endParaRPr lang="en-US" dirty="0"/>
@@ -1899,7 +1903,7 @@
           </a:lstStyle>
           <a:p>
             <a:r>
-              <a:rPr lang="en-US" smtClean="0"/>
+              <a:rPr lang="en-US"/>
               <a:t>Click to edit Master title style</a:t>
             </a:r>
             <a:endParaRPr lang="en-US" dirty="0"/>
@@ -2019,7 +2023,7 @@
           <a:p>
             <a:pPr lvl="0"/>
             <a:r>
-              <a:rPr lang="en-US" smtClean="0"/>
+              <a:rPr lang="en-US"/>
               <a:t>Click to edit Master text styles</a:t>
             </a:r>
           </a:p>
@@ -2213,7 +2217,7 @@
           <a:lstStyle/>
           <a:p>
             <a:r>
-              <a:rPr lang="en-US" smtClean="0"/>
+              <a:rPr lang="en-US"/>
               <a:t>Click to edit Master title style</a:t>
             </a:r>
             <a:endParaRPr lang="en-US" dirty="0"/>
@@ -2244,35 +2248,35 @@
           <a:p>
             <a:pPr lvl="0"/>
             <a:r>
-              <a:rPr lang="en-US" smtClean="0"/>
+              <a:rPr lang="en-US"/>
               <a:t>Click to edit Master text styles</a:t>
             </a:r>
           </a:p>
           <a:p>
             <a:pPr lvl="1"/>
             <a:r>
-              <a:rPr lang="en-US" smtClean="0"/>
+              <a:rPr lang="en-US"/>
               <a:t>Second level</a:t>
             </a:r>
           </a:p>
           <a:p>
             <a:pPr lvl="2"/>
             <a:r>
-              <a:rPr lang="en-US" smtClean="0"/>
+              <a:rPr lang="en-US"/>
               <a:t>Third level</a:t>
             </a:r>
           </a:p>
           <a:p>
             <a:pPr lvl="3"/>
             <a:r>
-              <a:rPr lang="en-US" smtClean="0"/>
+              <a:rPr lang="en-US"/>
               <a:t>Fourth level</a:t>
             </a:r>
           </a:p>
           <a:p>
             <a:pPr lvl="4"/>
             <a:r>
-              <a:rPr lang="en-US" smtClean="0"/>
+              <a:rPr lang="en-US"/>
               <a:t>Fifth level</a:t>
             </a:r>
             <a:endParaRPr lang="en-US" dirty="0"/>
@@ -2303,35 +2307,35 @@
           <a:p>
             <a:pPr lvl="0"/>
             <a:r>
-              <a:rPr lang="en-US" smtClean="0"/>
+              <a:rPr lang="en-US"/>
               <a:t>Click to edit Master text styles</a:t>
             </a:r>
           </a:p>
           <a:p>
             <a:pPr lvl="1"/>
             <a:r>
-              <a:rPr lang="en-US" smtClean="0"/>
+              <a:rPr lang="en-US"/>
               <a:t>Second level</a:t>
             </a:r>
           </a:p>
           <a:p>
             <a:pPr lvl="2"/>
             <a:r>
-              <a:rPr lang="en-US" smtClean="0"/>
+              <a:rPr lang="en-US"/>
               <a:t>Third level</a:t>
             </a:r>
           </a:p>
           <a:p>
             <a:pPr lvl="3"/>
             <a:r>
-              <a:rPr lang="en-US" smtClean="0"/>
+              <a:rPr lang="en-US"/>
               <a:t>Fourth level</a:t>
             </a:r>
           </a:p>
           <a:p>
             <a:pPr lvl="4"/>
             <a:r>
-              <a:rPr lang="en-US" smtClean="0"/>
+              <a:rPr lang="en-US"/>
               <a:t>Fifth level</a:t>
             </a:r>
             <a:endParaRPr lang="en-US" dirty="0"/>
@@ -2493,7 +2497,7 @@
           <a:lstStyle/>
           <a:p>
             <a:r>
-              <a:rPr lang="en-US" smtClean="0"/>
+              <a:rPr lang="en-US"/>
               <a:t>Click to edit Master title style</a:t>
             </a:r>
             <a:endParaRPr lang="en-US" dirty="0"/>
@@ -2565,7 +2569,7 @@
           <a:p>
             <a:pPr lvl="0"/>
             <a:r>
-              <a:rPr lang="en-US" smtClean="0"/>
+              <a:rPr lang="en-US"/>
               <a:t>Click to edit Master text styles</a:t>
             </a:r>
           </a:p>
@@ -2595,35 +2599,35 @@
           <a:p>
             <a:pPr lvl="0"/>
             <a:r>
-              <a:rPr lang="en-US" smtClean="0"/>
+              <a:rPr lang="en-US"/>
               <a:t>Click to edit Master text styles</a:t>
             </a:r>
           </a:p>
           <a:p>
             <a:pPr lvl="1"/>
             <a:r>
-              <a:rPr lang="en-US" smtClean="0"/>
+              <a:rPr lang="en-US"/>
               <a:t>Second level</a:t>
             </a:r>
           </a:p>
           <a:p>
             <a:pPr lvl="2"/>
             <a:r>
-              <a:rPr lang="en-US" smtClean="0"/>
+              <a:rPr lang="en-US"/>
               <a:t>Third level</a:t>
             </a:r>
           </a:p>
           <a:p>
             <a:pPr lvl="3"/>
             <a:r>
-              <a:rPr lang="en-US" smtClean="0"/>
+              <a:rPr lang="en-US"/>
               <a:t>Fourth level</a:t>
             </a:r>
           </a:p>
           <a:p>
             <a:pPr lvl="4"/>
             <a:r>
-              <a:rPr lang="en-US" smtClean="0"/>
+              <a:rPr lang="en-US"/>
               <a:t>Fifth level</a:t>
             </a:r>
             <a:endParaRPr lang="en-US" dirty="0"/>
@@ -2695,7 +2699,7 @@
           <a:p>
             <a:pPr lvl="0"/>
             <a:r>
-              <a:rPr lang="en-US" smtClean="0"/>
+              <a:rPr lang="en-US"/>
               <a:t>Click to edit Master text styles</a:t>
             </a:r>
           </a:p>
@@ -2725,35 +2729,35 @@
           <a:p>
             <a:pPr lvl="0"/>
             <a:r>
-              <a:rPr lang="en-US" smtClean="0"/>
+              <a:rPr lang="en-US"/>
               <a:t>Click to edit Master text styles</a:t>
             </a:r>
           </a:p>
           <a:p>
             <a:pPr lvl="1"/>
             <a:r>
-              <a:rPr lang="en-US" smtClean="0"/>
+              <a:rPr lang="en-US"/>
               <a:t>Second level</a:t>
             </a:r>
           </a:p>
           <a:p>
             <a:pPr lvl="2"/>
             <a:r>
-              <a:rPr lang="en-US" smtClean="0"/>
+              <a:rPr lang="en-US"/>
               <a:t>Third level</a:t>
             </a:r>
           </a:p>
           <a:p>
             <a:pPr lvl="3"/>
             <a:r>
-              <a:rPr lang="en-US" smtClean="0"/>
+              <a:rPr lang="en-US"/>
               <a:t>Fourth level</a:t>
             </a:r>
           </a:p>
           <a:p>
             <a:pPr lvl="4"/>
             <a:r>
-              <a:rPr lang="en-US" smtClean="0"/>
+              <a:rPr lang="en-US"/>
               <a:t>Fifth level</a:t>
             </a:r>
             <a:endParaRPr lang="en-US" dirty="0"/>
@@ -2915,7 +2919,7 @@
           <a:lstStyle/>
           <a:p>
             <a:r>
-              <a:rPr lang="en-US" smtClean="0"/>
+              <a:rPr lang="en-US"/>
               <a:t>Click to edit Master title style</a:t>
             </a:r>
             <a:endParaRPr lang="en-US" dirty="0"/>
@@ -3183,7 +3187,7 @@
           </a:lstStyle>
           <a:p>
             <a:r>
-              <a:rPr lang="en-US" smtClean="0"/>
+              <a:rPr lang="en-US"/>
               <a:t>Click to edit Master title style</a:t>
             </a:r>
             <a:endParaRPr lang="en-US" dirty="0"/>
@@ -3278,35 +3282,35 @@
           <a:p>
             <a:pPr lvl="0"/>
             <a:r>
-              <a:rPr lang="en-US" smtClean="0"/>
+              <a:rPr lang="en-US"/>
               <a:t>Click to edit Master text styles</a:t>
             </a:r>
           </a:p>
           <a:p>
             <a:pPr lvl="1"/>
             <a:r>
-              <a:rPr lang="en-US" smtClean="0"/>
+              <a:rPr lang="en-US"/>
               <a:t>Second level</a:t>
             </a:r>
           </a:p>
           <a:p>
             <a:pPr lvl="2"/>
             <a:r>
-              <a:rPr lang="en-US" smtClean="0"/>
+              <a:rPr lang="en-US"/>
               <a:t>Third level</a:t>
             </a:r>
           </a:p>
           <a:p>
             <a:pPr lvl="3"/>
             <a:r>
-              <a:rPr lang="en-US" smtClean="0"/>
+              <a:rPr lang="en-US"/>
               <a:t>Fourth level</a:t>
             </a:r>
           </a:p>
           <a:p>
             <a:pPr lvl="4"/>
             <a:r>
-              <a:rPr lang="en-US" smtClean="0"/>
+              <a:rPr lang="en-US"/>
               <a:t>Fifth level</a:t>
             </a:r>
             <a:endParaRPr lang="en-US" dirty="0"/>
@@ -3378,7 +3382,7 @@
           <a:p>
             <a:pPr lvl="0"/>
             <a:r>
-              <a:rPr lang="en-US" smtClean="0"/>
+              <a:rPr lang="en-US"/>
               <a:t>Click to edit Master text styles</a:t>
             </a:r>
           </a:p>
@@ -3543,7 +3547,7 @@
           </a:lstStyle>
           <a:p>
             <a:r>
-              <a:rPr lang="en-US" smtClean="0"/>
+              <a:rPr lang="en-US"/>
               <a:t>Click to edit Master title style</a:t>
             </a:r>
             <a:endParaRPr lang="en-US" dirty="0"/>
@@ -3610,7 +3614,7 @@
           </a:lstStyle>
           <a:p>
             <a:r>
-              <a:rPr lang="en-US" smtClean="0"/>
+              <a:rPr lang="en-US"/>
               <a:t>Click icon to add picture</a:t>
             </a:r>
             <a:endParaRPr lang="en-US" dirty="0"/>
@@ -3678,7 +3682,7 @@
           <a:p>
             <a:pPr lvl="0"/>
             <a:r>
-              <a:rPr lang="en-US" smtClean="0"/>
+              <a:rPr lang="en-US"/>
               <a:t>Click to edit Master text styles</a:t>
             </a:r>
           </a:p>
@@ -3810,7 +3814,7 @@
           <a:lstStyle/>
           <a:p>
             <a:r>
-              <a:rPr lang="en-US" smtClean="0"/>
+              <a:rPr lang="en-US"/>
               <a:t>Click to edit Master title style</a:t>
             </a:r>
             <a:endParaRPr lang="en-US" dirty="0"/>
@@ -3844,35 +3848,35 @@
           <a:p>
             <a:pPr lvl="0"/>
             <a:r>
-              <a:rPr lang="en-US" smtClean="0"/>
+              <a:rPr lang="en-US"/>
               <a:t>Click to edit Master text styles</a:t>
             </a:r>
           </a:p>
           <a:p>
             <a:pPr lvl="1"/>
             <a:r>
-              <a:rPr lang="en-US" smtClean="0"/>
+              <a:rPr lang="en-US"/>
               <a:t>Second level</a:t>
             </a:r>
           </a:p>
           <a:p>
             <a:pPr lvl="2"/>
             <a:r>
-              <a:rPr lang="en-US" smtClean="0"/>
+              <a:rPr lang="en-US"/>
               <a:t>Third level</a:t>
             </a:r>
           </a:p>
           <a:p>
             <a:pPr lvl="3"/>
             <a:r>
-              <a:rPr lang="en-US" smtClean="0"/>
+              <a:rPr lang="en-US"/>
               <a:t>Fourth level</a:t>
             </a:r>
           </a:p>
           <a:p>
             <a:pPr lvl="4"/>
             <a:r>
-              <a:rPr lang="en-US" smtClean="0"/>
+              <a:rPr lang="en-US"/>
               <a:t>Fifth level</a:t>
             </a:r>
             <a:endParaRPr lang="en-US" dirty="0"/>
@@ -4528,12 +4532,13 @@
           <a:bodyPr/>
           <a:lstStyle/>
           <a:p>
-            <a:r>
-              <a:rPr lang="en-US" dirty="0" smtClean="0"/>
+            <a:pPr algn="ctr"/>
+            <a:r>
+              <a:rPr lang="en-US" dirty="0"/>
               <a:t>The </a:t>
             </a:r>
             <a:r>
-              <a:rPr lang="en-US" dirty="0" err="1" smtClean="0"/>
+              <a:rPr lang="en-US" dirty="0" err="1"/>
               <a:t>PokeProject</a:t>
             </a:r>
             <a:endParaRPr lang="en-US" dirty="0"/>
@@ -4555,31 +4560,72 @@
           <a:bodyPr/>
           <a:lstStyle/>
           <a:p>
-            <a:r>
-              <a:rPr lang="en-US" dirty="0" smtClean="0"/>
+            <a:pPr algn="ctr"/>
+            <a:r>
+              <a:rPr lang="en-US" dirty="0"/>
               <a:t>Megan Barrera, </a:t>
             </a:r>
             <a:r>
-              <a:rPr lang="en-US" dirty="0" err="1" smtClean="0"/>
+              <a:rPr lang="en-US" dirty="0" err="1"/>
               <a:t>zeeshan</a:t>
             </a:r>
             <a:r>
-              <a:rPr lang="en-US" dirty="0" smtClean="0"/>
+              <a:rPr lang="en-US" dirty="0"/>
               <a:t> </a:t>
             </a:r>
             <a:r>
-              <a:rPr lang="en-US" dirty="0" err="1" smtClean="0"/>
+              <a:rPr lang="en-US" dirty="0" err="1"/>
               <a:t>bhimji</a:t>
             </a:r>
             <a:r>
-              <a:rPr lang="en-US" dirty="0" smtClean="0"/>
+              <a:rPr lang="en-US" dirty="0"/>
               <a:t>, van dang, Dave </a:t>
             </a:r>
             <a:r>
-              <a:rPr lang="en-US" dirty="0" err="1" smtClean="0"/>
+              <a:rPr lang="en-US" dirty="0" err="1"/>
               <a:t>shilander</a:t>
             </a:r>
             <a:endParaRPr lang="en-US" dirty="0"/>
+          </a:p>
+        </p:txBody>
+      </p:sp>
+      <p:sp>
+        <p:nvSpPr>
+          <p:cNvPr id="4" name="TextBox 3">
+            <a:extLst>
+              <a:ext uri="{FF2B5EF4-FFF2-40B4-BE49-F238E27FC236}">
+                <a16:creationId xmlns:a16="http://schemas.microsoft.com/office/drawing/2014/main" id="{D82EB2E9-9167-4789-BCD9-CB646A9D74E1}"/>
+              </a:ext>
+            </a:extLst>
+          </p:cNvPr>
+          <p:cNvSpPr txBox="1"/>
+          <p:nvPr/>
+        </p:nvSpPr>
+        <p:spPr>
+          <a:xfrm>
+            <a:off x="3082636" y="4461164"/>
+            <a:ext cx="5472546" cy="646331"/>
+          </a:xfrm>
+          <a:prstGeom prst="rect">
+            <a:avLst/>
+          </a:prstGeom>
+          <a:noFill/>
+        </p:spPr>
+        <p:txBody>
+          <a:bodyPr wrap="square" rtlCol="0">
+            <a:spAutoFit/>
+          </a:bodyPr>
+          <a:lstStyle/>
+          <a:p>
+            <a:pPr algn="ctr"/>
+            <a:r>
+              <a:rPr lang="en-US" sz="3600" dirty="0">
+                <a:solidFill>
+                  <a:schemeClr val="bg1"/>
+                </a:solidFill>
+              </a:rPr>
+              <a:t>WHO DAT POKEMON!!??</a:t>
+            </a:r>
           </a:p>
         </p:txBody>
       </p:sp>
@@ -4593,13 +4639,230 @@
   <p:clrMapOvr>
     <a:masterClrMapping/>
   </p:clrMapOvr>
-  <p:timing>
-    <p:tnLst>
-      <p:par>
-        <p:cTn id="1" dur="indefinite" restart="never" nodeType="tmRoot"/>
-      </p:par>
-    </p:tnLst>
-  </p:timing>
+</p:sld>
+</file>
+
+<file path=ppt/slides/slide10.xml><?xml version="1.0" encoding="utf-8"?>
+<p:sld xmlns:a="http://schemas.openxmlformats.org/drawingml/2006/main" xmlns:r="http://schemas.openxmlformats.org/officeDocument/2006/relationships" xmlns:p="http://schemas.openxmlformats.org/presentationml/2006/main">
+  <p:cSld>
+    <p:spTree>
+      <p:nvGrpSpPr>
+        <p:cNvPr id="1" name=""/>
+        <p:cNvGrpSpPr/>
+        <p:nvPr/>
+      </p:nvGrpSpPr>
+      <p:grpSpPr>
+        <a:xfrm>
+          <a:off x="0" y="0"/>
+          <a:ext cx="0" cy="0"/>
+          <a:chOff x="0" y="0"/>
+          <a:chExt cx="0" cy="0"/>
+        </a:xfrm>
+      </p:grpSpPr>
+      <p:sp>
+        <p:nvSpPr>
+          <p:cNvPr id="2" name="Title 1"/>
+          <p:cNvSpPr>
+            <a:spLocks noGrp="1"/>
+          </p:cNvSpPr>
+          <p:nvPr>
+            <p:ph type="title"/>
+          </p:nvPr>
+        </p:nvSpPr>
+        <p:spPr/>
+        <p:txBody>
+          <a:bodyPr/>
+          <a:lstStyle/>
+          <a:p>
+            <a:r>
+              <a:rPr lang="en-US" dirty="0"/>
+              <a:t>Future development</a:t>
+            </a:r>
+          </a:p>
+        </p:txBody>
+      </p:sp>
+      <p:sp>
+        <p:nvSpPr>
+          <p:cNvPr id="3" name="Content Placeholder 2"/>
+          <p:cNvSpPr>
+            <a:spLocks noGrp="1"/>
+          </p:cNvSpPr>
+          <p:nvPr>
+            <p:ph idx="1"/>
+          </p:nvPr>
+        </p:nvSpPr>
+        <p:spPr>
+          <a:xfrm>
+            <a:off x="518846" y="2686187"/>
+            <a:ext cx="11029615" cy="3678303"/>
+          </a:xfrm>
+        </p:spPr>
+        <p:txBody>
+          <a:bodyPr>
+            <a:noAutofit/>
+          </a:bodyPr>
+          <a:lstStyle/>
+          <a:p>
+            <a:pPr algn="ctr"/>
+            <a:r>
+              <a:rPr lang="en-US" sz="2400" dirty="0">
+                <a:solidFill>
+                  <a:schemeClr val="accent1"/>
+                </a:solidFill>
+              </a:rPr>
+              <a:t>API Speed</a:t>
+            </a:r>
+          </a:p>
+          <a:p>
+            <a:pPr algn="ctr"/>
+            <a:r>
+              <a:rPr lang="en-US" sz="2400" dirty="0">
+                <a:solidFill>
+                  <a:schemeClr val="accent1"/>
+                </a:solidFill>
+              </a:rPr>
+              <a:t>Desktop version</a:t>
+            </a:r>
+          </a:p>
+          <a:p>
+            <a:pPr algn="ctr"/>
+            <a:r>
+              <a:rPr lang="en-US" sz="2400" dirty="0">
+                <a:solidFill>
+                  <a:schemeClr val="accent1"/>
+                </a:solidFill>
+              </a:rPr>
+              <a:t>More search fields/filters</a:t>
+            </a:r>
+          </a:p>
+          <a:p>
+            <a:pPr algn="ctr"/>
+            <a:r>
+              <a:rPr lang="en-US" sz="2400" dirty="0">
+                <a:solidFill>
+                  <a:schemeClr val="accent1"/>
+                </a:solidFill>
+              </a:rPr>
+              <a:t>Add description of </a:t>
+            </a:r>
+            <a:r>
+              <a:rPr lang="en-US" sz="2400" dirty="0" err="1">
+                <a:solidFill>
+                  <a:schemeClr val="accent1"/>
+                </a:solidFill>
+              </a:rPr>
+              <a:t>Pokemon</a:t>
+            </a:r>
+            <a:endParaRPr lang="en-US" sz="2400" dirty="0">
+              <a:solidFill>
+                <a:schemeClr val="accent1"/>
+              </a:solidFill>
+            </a:endParaRPr>
+          </a:p>
+          <a:p>
+            <a:pPr algn="ctr"/>
+            <a:r>
+              <a:rPr lang="en-US" sz="2400" dirty="0">
+                <a:solidFill>
+                  <a:schemeClr val="accent1"/>
+                </a:solidFill>
+              </a:rPr>
+              <a:t>Incorporating </a:t>
+            </a:r>
+            <a:r>
+              <a:rPr lang="en-US" sz="2400" dirty="0" err="1">
+                <a:solidFill>
+                  <a:schemeClr val="accent1"/>
+                </a:solidFill>
+              </a:rPr>
+              <a:t>Pokemon</a:t>
+            </a:r>
+            <a:r>
+              <a:rPr lang="en-US" sz="2400" dirty="0">
+                <a:solidFill>
+                  <a:schemeClr val="accent1"/>
+                </a:solidFill>
+              </a:rPr>
+              <a:t> Go</a:t>
+            </a:r>
+          </a:p>
+          <a:p>
+            <a:pPr lvl="1" algn="ctr"/>
+            <a:r>
+              <a:rPr lang="en-US" sz="2400" dirty="0">
+                <a:solidFill>
+                  <a:schemeClr val="accent1"/>
+                </a:solidFill>
+              </a:rPr>
+              <a:t>Location tags</a:t>
+            </a:r>
+          </a:p>
+          <a:p>
+            <a:pPr lvl="1" algn="ctr"/>
+            <a:r>
+              <a:rPr lang="en-US" sz="2400" dirty="0">
+                <a:solidFill>
+                  <a:schemeClr val="accent1"/>
+                </a:solidFill>
+              </a:rPr>
+              <a:t>Guides to catch </a:t>
+            </a:r>
+            <a:r>
+              <a:rPr lang="en-US" sz="2400" dirty="0" err="1">
+                <a:solidFill>
+                  <a:schemeClr val="accent1"/>
+                </a:solidFill>
+              </a:rPr>
+              <a:t>Pokemon</a:t>
+            </a:r>
+            <a:endParaRPr lang="en-US" sz="2400" dirty="0">
+              <a:solidFill>
+                <a:schemeClr val="accent1"/>
+              </a:solidFill>
+            </a:endParaRPr>
+          </a:p>
+          <a:p>
+            <a:pPr algn="ctr"/>
+            <a:r>
+              <a:rPr lang="en-US" sz="2400" dirty="0">
+                <a:solidFill>
+                  <a:schemeClr val="accent1"/>
+                </a:solidFill>
+              </a:rPr>
+              <a:t>User login</a:t>
+            </a:r>
+          </a:p>
+          <a:p>
+            <a:pPr algn="ctr"/>
+            <a:r>
+              <a:rPr lang="en-US" sz="2400" dirty="0">
+                <a:solidFill>
+                  <a:schemeClr val="accent1"/>
+                </a:solidFill>
+              </a:rPr>
+              <a:t>Other than that… it’s perfect!!!!!!!!!!!!!!!!! A+++</a:t>
+            </a:r>
+          </a:p>
+          <a:p>
+            <a:pPr algn="ctr"/>
+            <a:endParaRPr lang="en-US" sz="2400" dirty="0">
+              <a:solidFill>
+                <a:schemeClr val="accent1"/>
+              </a:solidFill>
+            </a:endParaRPr>
+          </a:p>
+        </p:txBody>
+      </p:sp>
+    </p:spTree>
+    <p:extLst>
+      <p:ext uri="{BB962C8B-B14F-4D97-AF65-F5344CB8AC3E}">
+        <p14:creationId xmlns:p14="http://schemas.microsoft.com/office/powerpoint/2010/main" val="2786261244"/>
+      </p:ext>
+    </p:extLst>
+  </p:cSld>
+  <p:clrMapOvr>
+    <a:masterClrMapping/>
+  </p:clrMapOvr>
 </p:sld>
 </file>
 
@@ -4712,13 +4975,6 @@
   <p:clrMapOvr>
     <a:masterClrMapping/>
   </p:clrMapOvr>
-  <p:timing>
-    <p:tnLst>
-      <p:par>
-        <p:cTn id="1" dur="indefinite" restart="never" nodeType="tmRoot"/>
-      </p:par>
-    </p:tnLst>
-  </p:timing>
 </p:sld>
 </file>
 
@@ -4797,13 +5053,6 @@
   <p:clrMapOvr>
     <a:masterClrMapping/>
   </p:clrMapOvr>
-  <p:timing>
-    <p:tnLst>
-      <p:par>
-        <p:cTn id="1" dur="indefinite" restart="never" nodeType="tmRoot"/>
-      </p:par>
-    </p:tnLst>
-  </p:timing>
 </p:sld>
 </file>
 
@@ -4840,10 +5089,9 @@
           <a:lstStyle/>
           <a:p>
             <a:r>
-              <a:rPr lang="en-US" dirty="0" smtClean="0"/>
+              <a:rPr lang="en-US" dirty="0"/>
               <a:t>concept</a:t>
             </a:r>
-            <a:endParaRPr lang="en-US" dirty="0"/>
           </a:p>
         </p:txBody>
       </p:sp>
@@ -4859,55 +5107,82 @@
         </p:nvSpPr>
         <p:spPr/>
         <p:txBody>
-          <a:bodyPr/>
+          <a:bodyPr>
+            <a:normAutofit/>
+          </a:bodyPr>
           <a:lstStyle/>
           <a:p>
-            <a:r>
-              <a:rPr lang="en-US" dirty="0" err="1" smtClean="0"/>
+            <a:pPr algn="ctr"/>
+            <a:r>
+              <a:rPr lang="en-US" sz="3200" dirty="0" err="1">
+                <a:solidFill>
+                  <a:schemeClr val="accent1"/>
+                </a:solidFill>
+              </a:rPr>
               <a:t>Pokedex</a:t>
             </a:r>
             <a:r>
-              <a:rPr lang="en-US" dirty="0" smtClean="0"/>
+              <a:rPr lang="en-US" sz="3200" dirty="0">
+                <a:solidFill>
+                  <a:schemeClr val="accent1"/>
+                </a:solidFill>
+              </a:rPr>
               <a:t>… with gifs!!!!!</a:t>
             </a:r>
           </a:p>
           <a:p>
-            <a:r>
-              <a:rPr lang="en-US" dirty="0" smtClean="0"/>
+            <a:pPr algn="ctr"/>
+            <a:r>
+              <a:rPr lang="en-US" sz="3200" dirty="0">
+                <a:solidFill>
+                  <a:schemeClr val="accent1"/>
+                </a:solidFill>
+              </a:rPr>
               <a:t>Can’t think of a </a:t>
             </a:r>
             <a:r>
-              <a:rPr lang="en-US" dirty="0" err="1" smtClean="0"/>
+              <a:rPr lang="en-US" sz="3200" dirty="0" err="1">
+                <a:solidFill>
+                  <a:schemeClr val="accent1"/>
+                </a:solidFill>
+              </a:rPr>
               <a:t>pokemon’s</a:t>
             </a:r>
             <a:r>
-              <a:rPr lang="en-US" dirty="0" smtClean="0"/>
-              <a:t> name</a:t>
-            </a:r>
-            <a:r>
-              <a:rPr lang="en-US" dirty="0" smtClean="0"/>
-              <a:t>? Use our app!</a:t>
-            </a:r>
-            <a:endParaRPr lang="en-US" dirty="0" smtClean="0"/>
-          </a:p>
-          <a:p>
-            <a:r>
-              <a:rPr lang="en-US" dirty="0" smtClean="0"/>
+              <a:rPr lang="en-US" sz="3200" dirty="0">
+                <a:solidFill>
+                  <a:schemeClr val="accent1"/>
+                </a:solidFill>
+              </a:rPr>
+              <a:t> name? Use our app!</a:t>
+            </a:r>
+          </a:p>
+          <a:p>
+            <a:pPr algn="ctr"/>
+            <a:r>
+              <a:rPr lang="en-US" sz="3200" dirty="0">
+                <a:solidFill>
+                  <a:schemeClr val="accent1"/>
+                </a:solidFill>
+              </a:rPr>
               <a:t>Basically a </a:t>
             </a:r>
             <a:r>
-              <a:rPr lang="en-US" dirty="0" err="1" smtClean="0"/>
+              <a:rPr lang="en-US" sz="3200" dirty="0" err="1">
+                <a:solidFill>
+                  <a:schemeClr val="accent1"/>
+                </a:solidFill>
+              </a:rPr>
               <a:t>Pokemon</a:t>
             </a:r>
             <a:r>
-              <a:rPr lang="en-US" dirty="0" smtClean="0"/>
-              <a:t> </a:t>
-            </a:r>
-            <a:r>
-              <a:rPr lang="en-US" dirty="0" smtClean="0"/>
-              <a:t>search engine</a:t>
-            </a:r>
-            <a:endParaRPr lang="en-US" dirty="0"/>
+              <a:rPr lang="en-US" sz="3200" dirty="0">
+                <a:solidFill>
+                  <a:schemeClr val="accent1"/>
+                </a:solidFill>
+              </a:rPr>
+              <a:t> search engine</a:t>
+            </a:r>
           </a:p>
         </p:txBody>
       </p:sp>
@@ -4921,13 +5196,6 @@
   <p:clrMapOvr>
     <a:masterClrMapping/>
   </p:clrMapOvr>
-  <p:timing>
-    <p:tnLst>
-      <p:par>
-        <p:cTn id="1" dur="indefinite" restart="never" nodeType="tmRoot"/>
-      </p:par>
-    </p:tnLst>
-  </p:timing>
 </p:sld>
 </file>
 
@@ -4964,10 +5232,9 @@
           <a:lstStyle/>
           <a:p>
             <a:r>
-              <a:rPr lang="en-US" dirty="0" smtClean="0"/>
+              <a:rPr lang="en-US" dirty="0"/>
               <a:t>motivation</a:t>
             </a:r>
-            <a:endParaRPr lang="en-US" dirty="0"/>
           </a:p>
         </p:txBody>
       </p:sp>
@@ -4983,47 +5250,58 @@
         </p:nvSpPr>
         <p:spPr/>
         <p:txBody>
-          <a:bodyPr/>
+          <a:bodyPr>
+            <a:normAutofit/>
+          </a:bodyPr>
           <a:lstStyle/>
           <a:p>
-            <a:r>
-              <a:rPr lang="en-US" dirty="0" smtClean="0"/>
+            <a:pPr algn="ctr"/>
+            <a:r>
+              <a:rPr lang="en-US" sz="2800" dirty="0">
+                <a:solidFill>
+                  <a:schemeClr val="accent1"/>
+                </a:solidFill>
+              </a:rPr>
               <a:t>Open API</a:t>
             </a:r>
           </a:p>
           <a:p>
-            <a:r>
-              <a:rPr lang="en-US" dirty="0" smtClean="0"/>
+            <a:pPr algn="ctr"/>
+            <a:r>
+              <a:rPr lang="en-US" sz="2800" dirty="0">
+                <a:solidFill>
+                  <a:schemeClr val="accent1"/>
+                </a:solidFill>
+              </a:rPr>
               <a:t>Van loves </a:t>
             </a:r>
             <a:r>
-              <a:rPr lang="en-US" dirty="0" err="1" smtClean="0"/>
-              <a:t>P</a:t>
-            </a:r>
-            <a:r>
-              <a:rPr lang="en-US" dirty="0" err="1" smtClean="0"/>
-              <a:t>okemon</a:t>
-            </a:r>
-            <a:r>
-              <a:rPr lang="en-US" dirty="0" smtClean="0"/>
+              <a:rPr lang="en-US" sz="2800" dirty="0" err="1">
+                <a:solidFill>
+                  <a:schemeClr val="accent1"/>
+                </a:solidFill>
+              </a:rPr>
+              <a:t>Pokemon</a:t>
+            </a:r>
+            <a:r>
+              <a:rPr lang="en-US" sz="2800" dirty="0">
+                <a:solidFill>
+                  <a:schemeClr val="accent1"/>
+                </a:solidFill>
+              </a:rPr>
               <a:t>. So does 98% of the world</a:t>
             </a:r>
-            <a:endParaRPr lang="en-US" dirty="0" smtClean="0"/>
-          </a:p>
-          <a:p>
-            <a:r>
-              <a:rPr lang="en-US" dirty="0" smtClean="0"/>
-              <a:t>Zee knows nothing so </a:t>
-            </a:r>
-            <a:r>
-              <a:rPr lang="en-US" dirty="0" smtClean="0"/>
-              <a:t>we </a:t>
-            </a:r>
-            <a:r>
-              <a:rPr lang="en-US" dirty="0" smtClean="0"/>
-              <a:t>have to educate him</a:t>
-            </a:r>
-            <a:endParaRPr lang="en-US" dirty="0"/>
+          </a:p>
+          <a:p>
+            <a:pPr algn="ctr"/>
+            <a:r>
+              <a:rPr lang="en-US" sz="2800" dirty="0">
+                <a:solidFill>
+                  <a:schemeClr val="accent1"/>
+                </a:solidFill>
+              </a:rPr>
+              <a:t>Zee knows nothing so we have to educate him</a:t>
+            </a:r>
           </a:p>
         </p:txBody>
       </p:sp>
@@ -5037,13 +5315,6 @@
   <p:clrMapOvr>
     <a:masterClrMapping/>
   </p:clrMapOvr>
-  <p:timing>
-    <p:tnLst>
-      <p:par>
-        <p:cTn id="1" dur="indefinite" restart="never" nodeType="tmRoot"/>
-      </p:par>
-    </p:tnLst>
-  </p:timing>
 </p:sld>
 </file>
 
@@ -5080,10 +5351,9 @@
           <a:lstStyle/>
           <a:p>
             <a:r>
-              <a:rPr lang="en-US" dirty="0" smtClean="0"/>
+              <a:rPr lang="en-US" dirty="0"/>
               <a:t>Design process</a:t>
             </a:r>
-            <a:endParaRPr lang="en-US" dirty="0"/>
           </a:p>
         </p:txBody>
       </p:sp>
@@ -5099,28 +5369,50 @@
         </p:nvSpPr>
         <p:spPr/>
         <p:txBody>
-          <a:bodyPr/>
+          <a:bodyPr>
+            <a:normAutofit/>
+          </a:bodyPr>
           <a:lstStyle/>
           <a:p>
-            <a:r>
-              <a:rPr lang="en-US" dirty="0" err="1" smtClean="0"/>
+            <a:pPr algn="ctr"/>
+            <a:r>
+              <a:rPr lang="en-US" sz="3200" dirty="0" err="1">
+                <a:solidFill>
+                  <a:schemeClr val="accent1"/>
+                </a:solidFill>
+              </a:rPr>
               <a:t>Pokedex</a:t>
             </a:r>
-            <a:endParaRPr lang="en-US" dirty="0" smtClean="0"/>
-          </a:p>
-          <a:p>
-            <a:r>
-              <a:rPr lang="en-US" dirty="0" smtClean="0"/>
+            <a:r>
+              <a:rPr lang="en-US" sz="3200" dirty="0">
+                <a:solidFill>
+                  <a:schemeClr val="accent1"/>
+                </a:solidFill>
+              </a:rPr>
+              <a:t>- used for inspiration</a:t>
+            </a:r>
+          </a:p>
+          <a:p>
+            <a:pPr algn="ctr"/>
+            <a:r>
+              <a:rPr lang="en-US" sz="3200" dirty="0">
+                <a:solidFill>
+                  <a:schemeClr val="accent1"/>
+                </a:solidFill>
+              </a:rPr>
               <a:t>Front-end challenges</a:t>
             </a:r>
-            <a:endParaRPr lang="en-US" dirty="0" smtClean="0"/>
-          </a:p>
-          <a:p>
-            <a:r>
-              <a:rPr lang="en-US" dirty="0" smtClean="0"/>
+          </a:p>
+          <a:p>
+            <a:pPr algn="ctr"/>
+            <a:r>
+              <a:rPr lang="en-US" sz="3200" dirty="0">
+                <a:solidFill>
+                  <a:schemeClr val="accent1"/>
+                </a:solidFill>
+              </a:rPr>
               <a:t>Back-end challenges</a:t>
             </a:r>
-            <a:endParaRPr lang="en-US" dirty="0" smtClean="0"/>
           </a:p>
         </p:txBody>
       </p:sp>
@@ -5134,13 +5426,6 @@
   <p:clrMapOvr>
     <a:masterClrMapping/>
   </p:clrMapOvr>
-  <p:timing>
-    <p:tnLst>
-      <p:par>
-        <p:cTn id="1" dur="indefinite" restart="never" nodeType="tmRoot"/>
-      </p:par>
-    </p:tnLst>
-  </p:timing>
 </p:sld>
 </file>
 
@@ -5163,7 +5448,13 @@
       </p:grpSpPr>
       <p:sp>
         <p:nvSpPr>
-          <p:cNvPr id="2" name="Title 1"/>
+          <p:cNvPr id="2" name="Title 1">
+            <a:extLst>
+              <a:ext uri="{FF2B5EF4-FFF2-40B4-BE49-F238E27FC236}">
+                <a16:creationId xmlns:a16="http://schemas.microsoft.com/office/drawing/2014/main" id="{5D13489A-484A-408E-AED3-8A8508258107}"/>
+              </a:ext>
+            </a:extLst>
+          </p:cNvPr>
           <p:cNvSpPr>
             <a:spLocks noGrp="1"/>
           </p:cNvSpPr>
@@ -5177,16 +5468,21 @@
           <a:lstStyle/>
           <a:p>
             <a:r>
-              <a:rPr lang="en-US" dirty="0" smtClean="0"/>
-              <a:t>Technologies used</a:t>
-            </a:r>
-            <a:endParaRPr lang="en-US" dirty="0"/>
-          </a:p>
-        </p:txBody>
-      </p:sp>
-      <p:sp>
-        <p:nvSpPr>
-          <p:cNvPr id="3" name="Content Placeholder 2"/>
+              <a:rPr lang="en-US" dirty="0"/>
+              <a:t>Challenges</a:t>
+            </a:r>
+          </a:p>
+        </p:txBody>
+      </p:sp>
+      <p:sp>
+        <p:nvSpPr>
+          <p:cNvPr id="3" name="Content Placeholder 2">
+            <a:extLst>
+              <a:ext uri="{FF2B5EF4-FFF2-40B4-BE49-F238E27FC236}">
+                <a16:creationId xmlns:a16="http://schemas.microsoft.com/office/drawing/2014/main" id="{3A5095AB-9199-4136-994B-73D0A76B34B6}"/>
+              </a:ext>
+            </a:extLst>
+          </p:cNvPr>
           <p:cNvSpPr>
             <a:spLocks noGrp="1"/>
           </p:cNvSpPr>
@@ -5196,62 +5492,41 @@
         </p:nvSpPr>
         <p:spPr/>
         <p:txBody>
-          <a:bodyPr/>
+          <a:bodyPr>
+            <a:normAutofit/>
+          </a:bodyPr>
           <a:lstStyle/>
           <a:p>
-            <a:r>
-              <a:rPr lang="en-US" dirty="0" smtClean="0"/>
-              <a:t>HTML5</a:t>
-            </a:r>
-          </a:p>
-          <a:p>
-            <a:r>
-              <a:rPr lang="en-US" dirty="0" smtClean="0"/>
-              <a:t>CSS3</a:t>
-            </a:r>
-          </a:p>
-          <a:p>
-            <a:r>
-              <a:rPr lang="en-US" dirty="0"/>
-              <a:t>SASS</a:t>
-            </a:r>
-          </a:p>
-          <a:p>
-            <a:r>
-              <a:rPr lang="en-US" dirty="0" err="1" smtClean="0"/>
-              <a:t>Javascript</a:t>
-            </a:r>
-            <a:r>
-              <a:rPr lang="en-US" dirty="0" smtClean="0"/>
-              <a:t>/jQuery</a:t>
-            </a:r>
-            <a:endParaRPr lang="en-US" dirty="0" smtClean="0"/>
-          </a:p>
-          <a:p>
-            <a:r>
-              <a:rPr lang="en-US" dirty="0" err="1" smtClean="0"/>
-              <a:t>PokeAPI</a:t>
-            </a:r>
-            <a:endParaRPr lang="en-US" dirty="0" smtClean="0"/>
-          </a:p>
-          <a:p>
-            <a:r>
-              <a:rPr lang="en-US" dirty="0" smtClean="0"/>
-              <a:t>Underscore.js</a:t>
-            </a:r>
-          </a:p>
-          <a:p>
-            <a:r>
-              <a:rPr lang="en-US" dirty="0" err="1" smtClean="0"/>
-              <a:t>Giphy</a:t>
-            </a:r>
-            <a:r>
-              <a:rPr lang="en-US" dirty="0" smtClean="0"/>
-              <a:t> </a:t>
-            </a:r>
-            <a:r>
-              <a:rPr lang="en-US" dirty="0" smtClean="0"/>
-              <a:t>API</a:t>
+            <a:pPr algn="ctr"/>
+            <a:r>
+              <a:rPr lang="en-US" sz="2800" dirty="0">
+                <a:solidFill>
+                  <a:schemeClr val="accent1"/>
+                </a:solidFill>
+              </a:rPr>
+              <a:t>Google Map Markers</a:t>
+            </a:r>
+          </a:p>
+          <a:p>
+            <a:pPr algn="ctr"/>
+            <a:r>
+              <a:rPr lang="en-US" sz="2800" dirty="0">
+                <a:solidFill>
+                  <a:schemeClr val="accent1"/>
+                </a:solidFill>
+              </a:rPr>
+              <a:t>Modals</a:t>
+            </a:r>
+          </a:p>
+          <a:p>
+            <a:pPr algn="ctr"/>
+            <a:r>
+              <a:rPr lang="en-US" sz="2800" dirty="0">
+                <a:solidFill>
+                  <a:schemeClr val="accent1"/>
+                </a:solidFill>
+              </a:rPr>
+              <a:t>Firebase user login saved history</a:t>
             </a:r>
           </a:p>
         </p:txBody>
@@ -5259,20 +5534,13 @@
     </p:spTree>
     <p:extLst>
       <p:ext uri="{BB962C8B-B14F-4D97-AF65-F5344CB8AC3E}">
-        <p14:creationId xmlns:p14="http://schemas.microsoft.com/office/powerpoint/2010/main" val="2165260420"/>
+        <p14:creationId xmlns:p14="http://schemas.microsoft.com/office/powerpoint/2010/main" val="2872046403"/>
       </p:ext>
     </p:extLst>
   </p:cSld>
   <p:clrMapOvr>
     <a:masterClrMapping/>
   </p:clrMapOvr>
-  <p:timing>
-    <p:tnLst>
-      <p:par>
-        <p:cTn id="1" dur="indefinite" restart="never" nodeType="tmRoot"/>
-      </p:par>
-    </p:tnLst>
-  </p:timing>
 </p:sld>
 </file>
 
@@ -5309,10 +5577,9 @@
           <a:lstStyle/>
           <a:p>
             <a:r>
-              <a:rPr lang="en-US" dirty="0" smtClean="0"/>
-              <a:t>The final product</a:t>
-            </a:r>
-            <a:endParaRPr lang="en-US" dirty="0"/>
+              <a:rPr lang="en-US" dirty="0"/>
+              <a:t>Technologies used</a:t>
+            </a:r>
           </a:p>
         </p:txBody>
       </p:sp>
@@ -5328,36 +5595,120 @@
         </p:nvSpPr>
         <p:spPr/>
         <p:txBody>
-          <a:bodyPr/>
+          <a:bodyPr>
+            <a:noAutofit/>
+          </a:bodyPr>
           <a:lstStyle/>
           <a:p>
-            <a:r>
-              <a:rPr lang="en-US" dirty="0">
-                <a:hlinkClick r:id="rId2"/>
+            <a:pPr algn="ctr"/>
+            <a:r>
+              <a:rPr lang="en-US" sz="2800" dirty="0">
+                <a:solidFill>
+                  <a:schemeClr val="accent1"/>
+                </a:solidFill>
               </a:rPr>
-              <a:t>https://raptorcentauri.github.io/CharlieProject/</a:t>
-            </a:r>
-            <a:endParaRPr lang="en-US" dirty="0"/>
+              <a:t>HTML5</a:t>
+            </a:r>
+          </a:p>
+          <a:p>
+            <a:pPr algn="ctr"/>
+            <a:r>
+              <a:rPr lang="en-US" sz="2800" dirty="0">
+                <a:solidFill>
+                  <a:schemeClr val="accent1"/>
+                </a:solidFill>
+              </a:rPr>
+              <a:t>CSS3</a:t>
+            </a:r>
+          </a:p>
+          <a:p>
+            <a:pPr algn="ctr"/>
+            <a:r>
+              <a:rPr lang="en-US" sz="2800" dirty="0">
+                <a:solidFill>
+                  <a:schemeClr val="accent1"/>
+                </a:solidFill>
+              </a:rPr>
+              <a:t>SASS</a:t>
+            </a:r>
+          </a:p>
+          <a:p>
+            <a:pPr algn="ctr"/>
+            <a:r>
+              <a:rPr lang="en-US" sz="2800" dirty="0" err="1">
+                <a:solidFill>
+                  <a:schemeClr val="accent1"/>
+                </a:solidFill>
+              </a:rPr>
+              <a:t>Javascript</a:t>
+            </a:r>
+            <a:r>
+              <a:rPr lang="en-US" sz="2800" dirty="0">
+                <a:solidFill>
+                  <a:schemeClr val="accent1"/>
+                </a:solidFill>
+              </a:rPr>
+              <a:t>/jQuery</a:t>
+            </a:r>
+          </a:p>
+          <a:p>
+            <a:pPr algn="ctr"/>
+            <a:r>
+              <a:rPr lang="en-US" sz="2800" dirty="0" err="1">
+                <a:solidFill>
+                  <a:schemeClr val="accent1"/>
+                </a:solidFill>
+              </a:rPr>
+              <a:t>PokeAPI</a:t>
+            </a:r>
+            <a:endParaRPr lang="en-US" sz="2800" dirty="0">
+              <a:solidFill>
+                <a:schemeClr val="accent1"/>
+              </a:solidFill>
+            </a:endParaRPr>
+          </a:p>
+          <a:p>
+            <a:pPr algn="ctr"/>
+            <a:r>
+              <a:rPr lang="en-US" sz="2800" dirty="0">
+                <a:solidFill>
+                  <a:schemeClr val="accent1"/>
+                </a:solidFill>
+              </a:rPr>
+              <a:t>Underscore.js</a:t>
+            </a:r>
+          </a:p>
+          <a:p>
+            <a:pPr algn="ctr"/>
+            <a:r>
+              <a:rPr lang="en-US" sz="2800" dirty="0" err="1">
+                <a:solidFill>
+                  <a:schemeClr val="accent1"/>
+                </a:solidFill>
+              </a:rPr>
+              <a:t>Giphy</a:t>
+            </a:r>
+            <a:r>
+              <a:rPr lang="en-US" sz="2800" dirty="0">
+                <a:solidFill>
+                  <a:schemeClr val="accent1"/>
+                </a:solidFill>
+              </a:rPr>
+              <a:t> API</a:t>
+            </a:r>
           </a:p>
         </p:txBody>
       </p:sp>
     </p:spTree>
     <p:extLst>
       <p:ext uri="{BB962C8B-B14F-4D97-AF65-F5344CB8AC3E}">
-        <p14:creationId xmlns:p14="http://schemas.microsoft.com/office/powerpoint/2010/main" val="2539970341"/>
+        <p14:creationId xmlns:p14="http://schemas.microsoft.com/office/powerpoint/2010/main" val="2165260420"/>
       </p:ext>
     </p:extLst>
   </p:cSld>
   <p:clrMapOvr>
     <a:masterClrMapping/>
   </p:clrMapOvr>
-  <p:timing>
-    <p:tnLst>
-      <p:par>
-        <p:cTn id="1" dur="indefinite" restart="never" nodeType="tmRoot"/>
-      </p:par>
-    </p:tnLst>
-  </p:timing>
 </p:sld>
 </file>
 
@@ -5394,10 +5745,9 @@
           <a:lstStyle/>
           <a:p>
             <a:r>
-              <a:rPr lang="en-US" dirty="0" smtClean="0"/>
-              <a:t>Future development</a:t>
-            </a:r>
-            <a:endParaRPr lang="en-US" dirty="0"/>
+              <a:rPr lang="en-US" dirty="0"/>
+              <a:t>The final product</a:t>
+            </a:r>
           </a:p>
         </p:txBody>
       </p:sp>
@@ -5416,90 +5766,27 @@
           <a:bodyPr/>
           <a:lstStyle/>
           <a:p>
-            <a:r>
-              <a:rPr lang="en-US" dirty="0" smtClean="0"/>
-              <a:t>API </a:t>
-            </a:r>
-            <a:r>
-              <a:rPr lang="en-US" dirty="0" smtClean="0"/>
-              <a:t>Speed</a:t>
-            </a:r>
-          </a:p>
-          <a:p>
-            <a:r>
-              <a:rPr lang="en-US" dirty="0" smtClean="0"/>
-              <a:t>Desktop version</a:t>
-            </a:r>
-            <a:endParaRPr lang="en-US" dirty="0" smtClean="0"/>
-          </a:p>
-          <a:p>
-            <a:r>
-              <a:rPr lang="en-US" dirty="0" smtClean="0"/>
-              <a:t>More search fields/filters</a:t>
-            </a:r>
-          </a:p>
-          <a:p>
-            <a:r>
-              <a:rPr lang="en-US" dirty="0" smtClean="0"/>
-              <a:t>Add description of </a:t>
-            </a:r>
-            <a:r>
-              <a:rPr lang="en-US" dirty="0" err="1" smtClean="0"/>
-              <a:t>Pokemon</a:t>
-            </a:r>
-            <a:endParaRPr lang="en-US" dirty="0" smtClean="0"/>
-          </a:p>
-          <a:p>
-            <a:r>
-              <a:rPr lang="en-US" dirty="0" smtClean="0"/>
-              <a:t>Incorporating </a:t>
-            </a:r>
-            <a:r>
-              <a:rPr lang="en-US" dirty="0" err="1" smtClean="0"/>
-              <a:t>Pokemon</a:t>
-            </a:r>
-            <a:r>
-              <a:rPr lang="en-US" dirty="0" smtClean="0"/>
-              <a:t> Go</a:t>
-            </a:r>
-          </a:p>
-          <a:p>
-            <a:pPr lvl="1"/>
-            <a:r>
-              <a:rPr lang="en-US" dirty="0" smtClean="0"/>
-              <a:t>Location tags</a:t>
-            </a:r>
-          </a:p>
-          <a:p>
-            <a:pPr lvl="1"/>
-            <a:r>
-              <a:rPr lang="en-US" dirty="0" smtClean="0"/>
-              <a:t>Guides to catch </a:t>
-            </a:r>
-            <a:r>
-              <a:rPr lang="en-US" dirty="0" err="1" smtClean="0"/>
-              <a:t>Pokemon</a:t>
-            </a:r>
-            <a:endParaRPr lang="en-US" dirty="0" smtClean="0"/>
-          </a:p>
-          <a:p>
-            <a:r>
-              <a:rPr lang="en-US" dirty="0" smtClean="0"/>
-              <a:t>User login</a:t>
-            </a:r>
-          </a:p>
-          <a:p>
-            <a:r>
-              <a:rPr lang="en-US" dirty="0" smtClean="0"/>
-              <a:t>Other than that… it’s perfect</a:t>
-            </a:r>
-            <a:r>
-              <a:rPr lang="en-US" dirty="0" smtClean="0"/>
-              <a:t>!!!!!!!!!!!!!!!!! A+++</a:t>
-            </a:r>
-            <a:endParaRPr lang="en-US" dirty="0" smtClean="0"/>
-          </a:p>
-          <a:p>
+            <a:pPr marL="0" indent="0" algn="ctr">
+              <a:buNone/>
+            </a:pPr>
+            <a:r>
+              <a:rPr lang="en-US" dirty="0">
+                <a:hlinkClick r:id="rId2"/>
+              </a:rPr>
+              <a:t>https://raptorcentauri.github.io/</a:t>
+            </a:r>
+            <a:r>
+              <a:rPr lang="en-US" sz="3200" dirty="0">
+                <a:hlinkClick r:id="rId2"/>
+              </a:rPr>
+              <a:t>CharlieProject</a:t>
+            </a:r>
+            <a:r>
+              <a:rPr lang="en-US" dirty="0">
+                <a:hlinkClick r:id="rId2"/>
+              </a:rPr>
+              <a:t>/</a:t>
+            </a:r>
             <a:endParaRPr lang="en-US" dirty="0"/>
           </a:p>
         </p:txBody>
@@ -5507,20 +5794,13 @@
     </p:spTree>
     <p:extLst>
       <p:ext uri="{BB962C8B-B14F-4D97-AF65-F5344CB8AC3E}">
-        <p14:creationId xmlns:p14="http://schemas.microsoft.com/office/powerpoint/2010/main" val="2786261244"/>
+        <p14:creationId xmlns:p14="http://schemas.microsoft.com/office/powerpoint/2010/main" val="2539970341"/>
       </p:ext>
     </p:extLst>
   </p:cSld>
   <p:clrMapOvr>
     <a:masterClrMapping/>
   </p:clrMapOvr>
-  <p:timing>
-    <p:tnLst>
-      <p:par>
-        <p:cTn id="1" dur="indefinite" restart="never" nodeType="tmRoot"/>
-      </p:par>
-    </p:tnLst>
-  </p:timing>
 </p:sld>
 </file>
 
